--- a/Writing/Final_Figs/CombinedFigures.pptx
+++ b/Writing/Final_Figs/CombinedFigures.pptx
@@ -3417,8 +3417,8 @@
           </p:nvSpPr>
           <p:spPr>
             <a:xfrm>
-              <a:off x="2426835" y="575646"/>
-              <a:ext cx="1812655" cy="215444"/>
+              <a:off x="1865985" y="621813"/>
+              <a:ext cx="2628900" cy="338554"/>
             </a:xfrm>
             <a:prstGeom prst="rect">
               <a:avLst/>
@@ -3432,22 +3432,42 @@
             <a:lstStyle/>
             <a:p>
               <a:r>
-                <a:rPr lang="en-US" sz="800" dirty="0">
+                <a:rPr lang="en-US" sz="800" b="1" dirty="0">
                   <a:latin typeface="Courier" pitchFamily="2" charset="0"/>
                 </a:rPr>
                 <a:t>Sampling location R</a:t>
               </a:r>
               <a:r>
-                <a:rPr lang="en-US" sz="800" baseline="30000" dirty="0">
+                <a:rPr lang="en-US" sz="800" b="1" baseline="30000" dirty="0">
                   <a:latin typeface="Courier" pitchFamily="2" charset="0"/>
                 </a:rPr>
                 <a:t>2</a:t>
               </a:r>
               <a:r>
-                <a:rPr lang="en-US" sz="800" dirty="0">
+                <a:rPr lang="en-US" sz="800" b="1" dirty="0">
                   <a:latin typeface="Courier" pitchFamily="2" charset="0"/>
                 </a:rPr>
                 <a:t> = 0.31</a:t>
+              </a:r>
+            </a:p>
+            <a:p>
+              <a:r>
+                <a:rPr lang="en-US" sz="800" b="1" dirty="0">
+                  <a:latin typeface="Courier" pitchFamily="2" charset="0"/>
+                </a:rPr>
+                <a:t>Sampling location*Miticide R</a:t>
+              </a:r>
+              <a:r>
+                <a:rPr lang="en-US" sz="800" b="1" baseline="30000" dirty="0">
+                  <a:latin typeface="Courier" pitchFamily="2" charset="0"/>
+                </a:rPr>
+                <a:t>2</a:t>
+              </a:r>
+              <a:r>
+                <a:rPr lang="en-US" sz="800" b="1" dirty="0">
+                  <a:latin typeface="Courier" pitchFamily="2" charset="0"/>
+                </a:rPr>
+                <a:t> = 0.17</a:t>
               </a:r>
             </a:p>
           </p:txBody>
@@ -3466,8 +3486,8 @@
           </p:nvSpPr>
           <p:spPr>
             <a:xfrm>
-              <a:off x="2426835" y="4168590"/>
-              <a:ext cx="1812655" cy="215444"/>
+              <a:off x="1877090" y="4202794"/>
+              <a:ext cx="2489593" cy="461665"/>
             </a:xfrm>
             <a:prstGeom prst="rect">
               <a:avLst/>
@@ -3498,6 +3518,31 @@
                 </a:rPr>
                 <a:t> = 0.35</a:t>
               </a:r>
+            </a:p>
+            <a:p>
+              <a:r>
+                <a:rPr lang="en-US" sz="800" dirty="0">
+                  <a:latin typeface="Courier" pitchFamily="2" charset="0"/>
+                </a:rPr>
+                <a:t>Sampling location*Miticide R</a:t>
+              </a:r>
+              <a:r>
+                <a:rPr lang="en-US" sz="800" baseline="30000" dirty="0">
+                  <a:latin typeface="Courier" pitchFamily="2" charset="0"/>
+                </a:rPr>
+                <a:t>2</a:t>
+              </a:r>
+              <a:r>
+                <a:rPr lang="en-US" sz="800" dirty="0">
+                  <a:latin typeface="Courier" pitchFamily="2" charset="0"/>
+                </a:rPr>
+                <a:t> = 0.15</a:t>
+              </a:r>
+            </a:p>
+            <a:p>
+              <a:endParaRPr lang="en-US" sz="800" dirty="0">
+                <a:latin typeface="Courier" pitchFamily="2" charset="0"/>
+              </a:endParaRPr>
             </a:p>
           </p:txBody>
         </p:sp>
@@ -3575,8 +3620,8 @@
           </p:nvSpPr>
           <p:spPr>
             <a:xfrm>
-              <a:off x="6702242" y="575646"/>
-              <a:ext cx="1812655" cy="215444"/>
+              <a:off x="6115560" y="575646"/>
+              <a:ext cx="2399337" cy="461665"/>
             </a:xfrm>
             <a:prstGeom prst="rect">
               <a:avLst/>
@@ -3590,10 +3635,30 @@
             <a:lstStyle/>
             <a:p>
               <a:r>
+                <a:rPr lang="en-US" sz="800" b="1" dirty="0">
+                  <a:latin typeface="Courier" pitchFamily="2" charset="0"/>
+                </a:rPr>
+                <a:t>Sampling location R</a:t>
+              </a:r>
+              <a:r>
+                <a:rPr lang="en-US" sz="800" b="1" baseline="30000" dirty="0">
+                  <a:latin typeface="Courier" pitchFamily="2" charset="0"/>
+                </a:rPr>
+                <a:t>2</a:t>
+              </a:r>
+              <a:r>
+                <a:rPr lang="en-US" sz="800" b="1" dirty="0">
+                  <a:latin typeface="Courier" pitchFamily="2" charset="0"/>
+                </a:rPr>
+                <a:t> = 0.15</a:t>
+              </a:r>
+            </a:p>
+            <a:p>
+              <a:r>
                 <a:rPr lang="en-US" sz="800" dirty="0">
                   <a:latin typeface="Courier" pitchFamily="2" charset="0"/>
                 </a:rPr>
-                <a:t>Sampling location R</a:t>
+                <a:t>Sampling location*Miticide R</a:t>
               </a:r>
               <a:r>
                 <a:rPr lang="en-US" sz="800" baseline="30000" dirty="0">
@@ -3605,8 +3670,13 @@
                 <a:rPr lang="en-US" sz="800" dirty="0">
                   <a:latin typeface="Courier" pitchFamily="2" charset="0"/>
                 </a:rPr>
-                <a:t> = 0.15</a:t>
+                <a:t> = 0.12</a:t>
               </a:r>
+            </a:p>
+            <a:p>
+              <a:endParaRPr lang="en-US" sz="800" b="1" dirty="0">
+                <a:latin typeface="Courier" pitchFamily="2" charset="0"/>
+              </a:endParaRPr>
             </a:p>
           </p:txBody>
         </p:sp>
@@ -3624,8 +3694,8 @@
           </p:nvSpPr>
           <p:spPr>
             <a:xfrm>
-              <a:off x="6626042" y="4168590"/>
-              <a:ext cx="1812655" cy="215444"/>
+              <a:off x="6052453" y="4202794"/>
+              <a:ext cx="2462444" cy="461665"/>
             </a:xfrm>
             <a:prstGeom prst="rect">
               <a:avLst/>
@@ -3639,23 +3709,48 @@
             <a:lstStyle/>
             <a:p>
               <a:r>
-                <a:rPr lang="en-US" sz="800" dirty="0">
+                <a:rPr lang="en-US" sz="800" b="1" dirty="0">
                   <a:latin typeface="Courier" pitchFamily="2" charset="0"/>
                 </a:rPr>
                 <a:t>Sampling location R</a:t>
               </a:r>
               <a:r>
-                <a:rPr lang="en-US" sz="800" baseline="30000" dirty="0">
+                <a:rPr lang="en-US" sz="800" b="1" baseline="30000" dirty="0">
                   <a:latin typeface="Courier" pitchFamily="2" charset="0"/>
                 </a:rPr>
                 <a:t>2</a:t>
               </a:r>
               <a:r>
-                <a:rPr lang="en-US" sz="800" dirty="0">
+                <a:rPr lang="en-US" sz="800" b="1" dirty="0">
                   <a:latin typeface="Courier" pitchFamily="2" charset="0"/>
                 </a:rPr>
                 <a:t> = 0.20</a:t>
               </a:r>
+            </a:p>
+            <a:p>
+              <a:r>
+                <a:rPr lang="en-US" sz="800" b="1" dirty="0">
+                  <a:latin typeface="Courier" pitchFamily="2" charset="0"/>
+                </a:rPr>
+                <a:t>Sampling location*Miticide R</a:t>
+              </a:r>
+              <a:r>
+                <a:rPr lang="en-US" sz="800" b="1" baseline="30000" dirty="0">
+                  <a:latin typeface="Courier" pitchFamily="2" charset="0"/>
+                </a:rPr>
+                <a:t>2</a:t>
+              </a:r>
+              <a:r>
+                <a:rPr lang="en-US" sz="800" b="1" dirty="0">
+                  <a:latin typeface="Courier" pitchFamily="2" charset="0"/>
+                </a:rPr>
+                <a:t> = 0.17</a:t>
+              </a:r>
+            </a:p>
+            <a:p>
+              <a:endParaRPr lang="en-US" sz="800" b="1" dirty="0">
+                <a:latin typeface="Courier" pitchFamily="2" charset="0"/>
+              </a:endParaRPr>
             </a:p>
           </p:txBody>
         </p:sp>
@@ -3808,66 +3903,12 @@
           <a:chExt cx="0" cy="0"/>
         </a:xfrm>
       </p:grpSpPr>
-      <p:sp>
-        <p:nvSpPr>
-          <p:cNvPr id="2" name="Title 1">
-            <a:extLst>
-              <a:ext uri="{FF2B5EF4-FFF2-40B4-BE49-F238E27FC236}">
-                <a16:creationId xmlns:a16="http://schemas.microsoft.com/office/drawing/2014/main" id="{C58EEFE9-211E-1566-1912-4A555C06F303}"/>
-              </a:ext>
-            </a:extLst>
-          </p:cNvPr>
-          <p:cNvSpPr>
-            <a:spLocks noGrp="1"/>
-          </p:cNvSpPr>
-          <p:nvPr>
-            <p:ph type="title"/>
-          </p:nvPr>
-        </p:nvSpPr>
-        <p:spPr/>
-        <p:txBody>
-          <a:bodyPr/>
-          <a:lstStyle/>
-          <a:p>
-            <a:endParaRPr lang="en-US"/>
-          </a:p>
-        </p:txBody>
-      </p:sp>
       <p:pic>
         <p:nvPicPr>
-          <p:cNvPr id="5" name="Content Placeholder 4">
-            <a:extLst>
-              <a:ext uri="{FF2B5EF4-FFF2-40B4-BE49-F238E27FC236}">
-                <a16:creationId xmlns:a16="http://schemas.microsoft.com/office/drawing/2014/main" id="{B347716A-C466-0A98-422D-594F1E26AEC4}"/>
-              </a:ext>
-            </a:extLst>
-          </p:cNvPr>
-          <p:cNvPicPr>
-            <a:picLocks noGrp="1" noChangeAspect="1"/>
-          </p:cNvPicPr>
-          <p:nvPr>
-            <p:ph idx="1"/>
-          </p:nvPr>
-        </p:nvPicPr>
-        <p:blipFill>
-          <a:blip r:embed="rId2"/>
-          <a:stretch>
-            <a:fillRect/>
-          </a:stretch>
-        </p:blipFill>
-        <p:spPr>
-          <a:xfrm>
-            <a:off x="3923816" y="3429000"/>
-            <a:ext cx="5267819" cy="3250997"/>
-          </a:xfrm>
-        </p:spPr>
-      </p:pic>
-      <p:pic>
-        <p:nvPicPr>
-          <p:cNvPr id="7" name="Picture 6">
-            <a:extLst>
-              <a:ext uri="{FF2B5EF4-FFF2-40B4-BE49-F238E27FC236}">
-                <a16:creationId xmlns:a16="http://schemas.microsoft.com/office/drawing/2014/main" id="{82591927-B10B-97E1-F29E-0444AD645223}"/>
+          <p:cNvPr id="13" name="Picture 12">
+            <a:extLst>
+              <a:ext uri="{FF2B5EF4-FFF2-40B4-BE49-F238E27FC236}">
+                <a16:creationId xmlns:a16="http://schemas.microsoft.com/office/drawing/2014/main" id="{24B75C16-0422-9E9E-F8E0-43B8DAA1905C}"/>
               </a:ext>
             </a:extLst>
           </p:cNvPr>
@@ -3877,14 +3918,14 @@
           <p:nvPr/>
         </p:nvPicPr>
         <p:blipFill rotWithShape="1">
-          <a:blip r:embed="rId3"/>
-          <a:srcRect l="85306" t="30474" r="981" b="44714"/>
+          <a:blip r:embed="rId2"/>
+          <a:srcRect t="5671"/>
           <a:stretch/>
         </p:blipFill>
         <p:spPr>
           <a:xfrm>
-            <a:off x="10150998" y="2918524"/>
-            <a:ext cx="914399" cy="1020952"/>
+            <a:off x="3206186" y="3584932"/>
+            <a:ext cx="5393803" cy="3139959"/>
           </a:xfrm>
           <a:prstGeom prst="rect">
             <a:avLst/>
@@ -3893,10 +3934,10 @@
       </p:pic>
       <p:pic>
         <p:nvPicPr>
-          <p:cNvPr id="9" name="Picture 8">
-            <a:extLst>
-              <a:ext uri="{FF2B5EF4-FFF2-40B4-BE49-F238E27FC236}">
-                <a16:creationId xmlns:a16="http://schemas.microsoft.com/office/drawing/2014/main" id="{ECA4D32D-7B85-EE39-52EF-6F4D64BE4D86}"/>
+          <p:cNvPr id="15" name="Picture 14">
+            <a:extLst>
+              <a:ext uri="{FF2B5EF4-FFF2-40B4-BE49-F238E27FC236}">
+                <a16:creationId xmlns:a16="http://schemas.microsoft.com/office/drawing/2014/main" id="{AF0AE5C8-5525-FCD1-2CE2-1CBB1A9FCFA8}"/>
               </a:ext>
             </a:extLst>
           </p:cNvPr>
@@ -3905,22 +3946,93 @@
           </p:cNvPicPr>
           <p:nvPr/>
         </p:nvPicPr>
-        <p:blipFill>
-          <a:blip r:embed="rId4"/>
-          <a:stretch>
-            <a:fillRect/>
-          </a:stretch>
+        <p:blipFill rotWithShape="1">
+          <a:blip r:embed="rId3"/>
+          <a:srcRect l="83917" t="32220" r="1382" b="32618"/>
+          <a:stretch/>
         </p:blipFill>
         <p:spPr>
           <a:xfrm>
-            <a:off x="3923816" y="178003"/>
-            <a:ext cx="5267819" cy="3250997"/>
+            <a:off x="9850056" y="2801072"/>
+            <a:ext cx="980231" cy="1446837"/>
           </a:xfrm>
           <a:prstGeom prst="rect">
             <a:avLst/>
           </a:prstGeom>
         </p:spPr>
       </p:pic>
+      <p:pic>
+        <p:nvPicPr>
+          <p:cNvPr id="17" name="Picture 16">
+            <a:extLst>
+              <a:ext uri="{FF2B5EF4-FFF2-40B4-BE49-F238E27FC236}">
+                <a16:creationId xmlns:a16="http://schemas.microsoft.com/office/drawing/2014/main" id="{3DA94F7B-80BC-3494-B6E0-D2CD7B818B34}"/>
+              </a:ext>
+            </a:extLst>
+          </p:cNvPr>
+          <p:cNvPicPr>
+            <a:picLocks noChangeAspect="1"/>
+          </p:cNvPicPr>
+          <p:nvPr/>
+        </p:nvPicPr>
+        <p:blipFill rotWithShape="1">
+          <a:blip r:embed="rId4"/>
+          <a:srcRect b="6958"/>
+          <a:stretch/>
+        </p:blipFill>
+        <p:spPr>
+          <a:xfrm>
+            <a:off x="3206185" y="487813"/>
+            <a:ext cx="5393803" cy="3097119"/>
+          </a:xfrm>
+          <a:prstGeom prst="rect">
+            <a:avLst/>
+          </a:prstGeom>
+        </p:spPr>
+      </p:pic>
+      <p:cxnSp>
+        <p:nvCxnSpPr>
+          <p:cNvPr id="19" name="Straight Connector 18">
+            <a:extLst>
+              <a:ext uri="{FF2B5EF4-FFF2-40B4-BE49-F238E27FC236}">
+                <a16:creationId xmlns:a16="http://schemas.microsoft.com/office/drawing/2014/main" id="{F2919F07-4F22-4936-1203-75ADDF339155}"/>
+              </a:ext>
+            </a:extLst>
+          </p:cNvPr>
+          <p:cNvCxnSpPr>
+            <a:cxnSpLocks/>
+          </p:cNvCxnSpPr>
+          <p:nvPr/>
+        </p:nvCxnSpPr>
+        <p:spPr>
+          <a:xfrm>
+            <a:off x="3733800" y="3584932"/>
+            <a:ext cx="4866188" cy="0"/>
+          </a:xfrm>
+          <a:prstGeom prst="line">
+            <a:avLst/>
+          </a:prstGeom>
+          <a:ln w="12700">
+            <a:solidFill>
+              <a:schemeClr val="tx1"/>
+            </a:solidFill>
+          </a:ln>
+        </p:spPr>
+        <p:style>
+          <a:lnRef idx="1">
+            <a:schemeClr val="accent1"/>
+          </a:lnRef>
+          <a:fillRef idx="0">
+            <a:schemeClr val="accent1"/>
+          </a:fillRef>
+          <a:effectRef idx="0">
+            <a:schemeClr val="accent1"/>
+          </a:effectRef>
+          <a:fontRef idx="minor">
+            <a:schemeClr val="tx1"/>
+          </a:fontRef>
+        </p:style>
+      </p:cxnSp>
     </p:spTree>
     <p:extLst>
       <p:ext uri="{BB962C8B-B14F-4D97-AF65-F5344CB8AC3E}">

--- a/Writing/Final_Figs/CombinedFigures.pptx
+++ b/Writing/Final_Figs/CombinedFigures.pptx
@@ -3903,136 +3903,157 @@
           <a:chExt cx="0" cy="0"/>
         </a:xfrm>
       </p:grpSpPr>
-      <p:pic>
-        <p:nvPicPr>
-          <p:cNvPr id="13" name="Picture 12">
-            <a:extLst>
-              <a:ext uri="{FF2B5EF4-FFF2-40B4-BE49-F238E27FC236}">
-                <a16:creationId xmlns:a16="http://schemas.microsoft.com/office/drawing/2014/main" id="{24B75C16-0422-9E9E-F8E0-43B8DAA1905C}"/>
-              </a:ext>
-            </a:extLst>
-          </p:cNvPr>
-          <p:cNvPicPr>
-            <a:picLocks noChangeAspect="1"/>
-          </p:cNvPicPr>
+      <p:grpSp>
+        <p:nvGrpSpPr>
+          <p:cNvPr id="21" name="Group 20">
+            <a:extLst>
+              <a:ext uri="{FF2B5EF4-FFF2-40B4-BE49-F238E27FC236}">
+                <a16:creationId xmlns:a16="http://schemas.microsoft.com/office/drawing/2014/main" id="{801296FE-3D86-77CA-F480-A847A8949D9A}"/>
+              </a:ext>
+            </a:extLst>
+          </p:cNvPr>
+          <p:cNvGrpSpPr/>
           <p:nvPr/>
-        </p:nvPicPr>
-        <p:blipFill rotWithShape="1">
-          <a:blip r:embed="rId2"/>
-          <a:srcRect t="5671"/>
-          <a:stretch/>
-        </p:blipFill>
-        <p:spPr>
+        </p:nvGrpSpPr>
+        <p:grpSpPr>
           <a:xfrm>
-            <a:off x="3206186" y="3584932"/>
-            <a:ext cx="5393803" cy="3139959"/>
+            <a:off x="2731623" y="152147"/>
+            <a:ext cx="7624102" cy="6237078"/>
+            <a:chOff x="3206185" y="487813"/>
+            <a:chExt cx="7624102" cy="6237078"/>
           </a:xfrm>
-          <a:prstGeom prst="rect">
-            <a:avLst/>
-          </a:prstGeom>
-        </p:spPr>
-      </p:pic>
-      <p:pic>
-        <p:nvPicPr>
-          <p:cNvPr id="15" name="Picture 14">
-            <a:extLst>
-              <a:ext uri="{FF2B5EF4-FFF2-40B4-BE49-F238E27FC236}">
-                <a16:creationId xmlns:a16="http://schemas.microsoft.com/office/drawing/2014/main" id="{AF0AE5C8-5525-FCD1-2CE2-1CBB1A9FCFA8}"/>
-              </a:ext>
-            </a:extLst>
-          </p:cNvPr>
-          <p:cNvPicPr>
-            <a:picLocks noChangeAspect="1"/>
-          </p:cNvPicPr>
-          <p:nvPr/>
-        </p:nvPicPr>
-        <p:blipFill rotWithShape="1">
-          <a:blip r:embed="rId3"/>
-          <a:srcRect l="83917" t="32220" r="1382" b="32618"/>
-          <a:stretch/>
-        </p:blipFill>
-        <p:spPr>
-          <a:xfrm>
-            <a:off x="9850056" y="2801072"/>
-            <a:ext cx="980231" cy="1446837"/>
-          </a:xfrm>
-          <a:prstGeom prst="rect">
-            <a:avLst/>
-          </a:prstGeom>
-        </p:spPr>
-      </p:pic>
-      <p:pic>
-        <p:nvPicPr>
-          <p:cNvPr id="17" name="Picture 16">
-            <a:extLst>
-              <a:ext uri="{FF2B5EF4-FFF2-40B4-BE49-F238E27FC236}">
-                <a16:creationId xmlns:a16="http://schemas.microsoft.com/office/drawing/2014/main" id="{3DA94F7B-80BC-3494-B6E0-D2CD7B818B34}"/>
-              </a:ext>
-            </a:extLst>
-          </p:cNvPr>
-          <p:cNvPicPr>
-            <a:picLocks noChangeAspect="1"/>
-          </p:cNvPicPr>
-          <p:nvPr/>
-        </p:nvPicPr>
-        <p:blipFill rotWithShape="1">
-          <a:blip r:embed="rId4"/>
-          <a:srcRect b="6958"/>
-          <a:stretch/>
-        </p:blipFill>
-        <p:spPr>
-          <a:xfrm>
-            <a:off x="3206185" y="487813"/>
-            <a:ext cx="5393803" cy="3097119"/>
-          </a:xfrm>
-          <a:prstGeom prst="rect">
-            <a:avLst/>
-          </a:prstGeom>
-        </p:spPr>
-      </p:pic>
-      <p:cxnSp>
-        <p:nvCxnSpPr>
-          <p:cNvPr id="19" name="Straight Connector 18">
-            <a:extLst>
-              <a:ext uri="{FF2B5EF4-FFF2-40B4-BE49-F238E27FC236}">
-                <a16:creationId xmlns:a16="http://schemas.microsoft.com/office/drawing/2014/main" id="{F2919F07-4F22-4936-1203-75ADDF339155}"/>
-              </a:ext>
-            </a:extLst>
-          </p:cNvPr>
-          <p:cNvCxnSpPr>
-            <a:cxnSpLocks/>
-          </p:cNvCxnSpPr>
-          <p:nvPr/>
-        </p:nvCxnSpPr>
-        <p:spPr>
-          <a:xfrm>
-            <a:off x="3733800" y="3584932"/>
-            <a:ext cx="4866188" cy="0"/>
-          </a:xfrm>
-          <a:prstGeom prst="line">
-            <a:avLst/>
-          </a:prstGeom>
-          <a:ln w="12700">
-            <a:solidFill>
+        </p:grpSpPr>
+        <p:pic>
+          <p:nvPicPr>
+            <p:cNvPr id="13" name="Picture 12">
+              <a:extLst>
+                <a:ext uri="{FF2B5EF4-FFF2-40B4-BE49-F238E27FC236}">
+                  <a16:creationId xmlns:a16="http://schemas.microsoft.com/office/drawing/2014/main" id="{24B75C16-0422-9E9E-F8E0-43B8DAA1905C}"/>
+                </a:ext>
+              </a:extLst>
+            </p:cNvPr>
+            <p:cNvPicPr>
+              <a:picLocks noChangeAspect="1"/>
+            </p:cNvPicPr>
+            <p:nvPr/>
+          </p:nvPicPr>
+          <p:blipFill rotWithShape="1">
+            <a:blip r:embed="rId2"/>
+            <a:srcRect t="5671"/>
+            <a:stretch/>
+          </p:blipFill>
+          <p:spPr>
+            <a:xfrm>
+              <a:off x="3206186" y="3584932"/>
+              <a:ext cx="5393803" cy="3139959"/>
+            </a:xfrm>
+            <a:prstGeom prst="rect">
+              <a:avLst/>
+            </a:prstGeom>
+          </p:spPr>
+        </p:pic>
+        <p:pic>
+          <p:nvPicPr>
+            <p:cNvPr id="15" name="Picture 14">
+              <a:extLst>
+                <a:ext uri="{FF2B5EF4-FFF2-40B4-BE49-F238E27FC236}">
+                  <a16:creationId xmlns:a16="http://schemas.microsoft.com/office/drawing/2014/main" id="{AF0AE5C8-5525-FCD1-2CE2-1CBB1A9FCFA8}"/>
+                </a:ext>
+              </a:extLst>
+            </p:cNvPr>
+            <p:cNvPicPr>
+              <a:picLocks noChangeAspect="1"/>
+            </p:cNvPicPr>
+            <p:nvPr/>
+          </p:nvPicPr>
+          <p:blipFill rotWithShape="1">
+            <a:blip r:embed="rId3"/>
+            <a:srcRect l="83917" t="32220" r="1382" b="32618"/>
+            <a:stretch/>
+          </p:blipFill>
+          <p:spPr>
+            <a:xfrm>
+              <a:off x="9850056" y="2801072"/>
+              <a:ext cx="980231" cy="1446837"/>
+            </a:xfrm>
+            <a:prstGeom prst="rect">
+              <a:avLst/>
+            </a:prstGeom>
+          </p:spPr>
+        </p:pic>
+        <p:pic>
+          <p:nvPicPr>
+            <p:cNvPr id="17" name="Picture 16">
+              <a:extLst>
+                <a:ext uri="{FF2B5EF4-FFF2-40B4-BE49-F238E27FC236}">
+                  <a16:creationId xmlns:a16="http://schemas.microsoft.com/office/drawing/2014/main" id="{3DA94F7B-80BC-3494-B6E0-D2CD7B818B34}"/>
+                </a:ext>
+              </a:extLst>
+            </p:cNvPr>
+            <p:cNvPicPr>
+              <a:picLocks noChangeAspect="1"/>
+            </p:cNvPicPr>
+            <p:nvPr/>
+          </p:nvPicPr>
+          <p:blipFill rotWithShape="1">
+            <a:blip r:embed="rId4"/>
+            <a:srcRect b="6958"/>
+            <a:stretch/>
+          </p:blipFill>
+          <p:spPr>
+            <a:xfrm>
+              <a:off x="3206185" y="487813"/>
+              <a:ext cx="5393803" cy="3097119"/>
+            </a:xfrm>
+            <a:prstGeom prst="rect">
+              <a:avLst/>
+            </a:prstGeom>
+          </p:spPr>
+        </p:pic>
+        <p:cxnSp>
+          <p:nvCxnSpPr>
+            <p:cNvPr id="19" name="Straight Connector 18">
+              <a:extLst>
+                <a:ext uri="{FF2B5EF4-FFF2-40B4-BE49-F238E27FC236}">
+                  <a16:creationId xmlns:a16="http://schemas.microsoft.com/office/drawing/2014/main" id="{F2919F07-4F22-4936-1203-75ADDF339155}"/>
+                </a:ext>
+              </a:extLst>
+            </p:cNvPr>
+            <p:cNvCxnSpPr>
+              <a:cxnSpLocks/>
+            </p:cNvCxnSpPr>
+            <p:nvPr/>
+          </p:nvCxnSpPr>
+          <p:spPr>
+            <a:xfrm>
+              <a:off x="3733800" y="3584932"/>
+              <a:ext cx="4866188" cy="0"/>
+            </a:xfrm>
+            <a:prstGeom prst="line">
+              <a:avLst/>
+            </a:prstGeom>
+            <a:ln w="12700">
+              <a:solidFill>
+                <a:schemeClr val="tx1"/>
+              </a:solidFill>
+            </a:ln>
+          </p:spPr>
+          <p:style>
+            <a:lnRef idx="1">
+              <a:schemeClr val="accent1"/>
+            </a:lnRef>
+            <a:fillRef idx="0">
+              <a:schemeClr val="accent1"/>
+            </a:fillRef>
+            <a:effectRef idx="0">
+              <a:schemeClr val="accent1"/>
+            </a:effectRef>
+            <a:fontRef idx="minor">
               <a:schemeClr val="tx1"/>
-            </a:solidFill>
-          </a:ln>
-        </p:spPr>
-        <p:style>
-          <a:lnRef idx="1">
-            <a:schemeClr val="accent1"/>
-          </a:lnRef>
-          <a:fillRef idx="0">
-            <a:schemeClr val="accent1"/>
-          </a:fillRef>
-          <a:effectRef idx="0">
-            <a:schemeClr val="accent1"/>
-          </a:effectRef>
-          <a:fontRef idx="minor">
-            <a:schemeClr val="tx1"/>
-          </a:fontRef>
-        </p:style>
-      </p:cxnSp>
+            </a:fontRef>
+          </p:style>
+        </p:cxnSp>
+      </p:grpSp>
     </p:spTree>
     <p:extLst>
       <p:ext uri="{BB962C8B-B14F-4D97-AF65-F5344CB8AC3E}">
